--- a/M01_Arrays/01 Presentacion/M01_PPTX-Arrays.pptx
+++ b/M01_Arrays/01 Presentacion/M01_PPTX-Arrays.pptx
@@ -274,7 +274,7 @@
           <a:p>
             <a:fld id="{CA078794-278F-45FF-96BC-AAFA7573FC36}" type="datetimeFigureOut">
               <a:rPr lang="en-US" smtClean="0"/>
-              <a:t>1/15/24</a:t>
+              <a:t>1/16/24</a:t>
             </a:fld>
             <a:endParaRPr lang="en-US"/>
           </a:p>
@@ -541,7 +541,7 @@
               <a:pPr>
                 <a:defRPr/>
               </a:pPr>
-              <a:t>1/15/24</a:t>
+              <a:t>1/16/24</a:t>
             </a:fld>
             <a:endParaRPr lang="en-US"/>
           </a:p>
